--- a/translations/pt-br/advanced/DataLoggingTemp.pptx
+++ b/translations/pt-br/advanced/DataLoggingTemp.pptx
@@ -224,7 +224,7 @@
           <a:p>
             <a:fld id="{E354B44E-40A3-0E46-B16A-9BF1250A248B}" type="datetimeFigureOut">
               <a:rPr lang="en-US" smtClean="0"/>
-              <a:t>10/30/2015</a:t>
+              <a:t>11/12/2015</a:t>
             </a:fld>
             <a:endParaRPr lang="en-US"/>
           </a:p>
@@ -290,7 +290,7 @@
           <a:p>
             <a:fld id="{ACDF1604-CF25-2840-A4A3-96CDE3604995}" type="slidenum">
               <a:rPr lang="en-US" smtClean="0"/>
-              <a:t>‹nº›</a:t>
+              <a:t>‹#›</a:t>
             </a:fld>
             <a:endParaRPr lang="en-US"/>
           </a:p>
@@ -390,7 +390,7 @@
           <a:p>
             <a:fld id="{C86AD16C-2DB4-6642-BAD4-9ED973A087A0}" type="datetimeFigureOut">
               <a:rPr lang="en-US" smtClean="0"/>
-              <a:t>10/30/2015</a:t>
+              <a:t>11/12/2015</a:t>
             </a:fld>
             <a:endParaRPr lang="en-US"/>
           </a:p>
@@ -549,7 +549,7 @@
           <a:p>
             <a:fld id="{1E5BF589-3978-3C45-966B-D7B7A71F2A02}" type="slidenum">
               <a:rPr lang="en-US" smtClean="0"/>
-              <a:t>‹nº›</a:t>
+              <a:t>‹#›</a:t>
             </a:fld>
             <a:endParaRPr lang="en-US"/>
           </a:p>
@@ -861,7 +861,7 @@
           <a:p>
             <a:fld id="{CDF7A0A8-2FFD-754D-9352-EE992FBB2942}" type="datetime1">
               <a:rPr lang="en-US" smtClean="0"/>
-              <a:t>10/30/2015</a:t>
+              <a:t>11/12/2015</a:t>
             </a:fld>
             <a:endParaRPr lang="en-US"/>
           </a:p>
@@ -907,7 +907,7 @@
           <a:p>
             <a:fld id="{7F5CE407-6216-4202-80E4-A30DC2F709B2}" type="slidenum">
               <a:rPr lang="en-US" smtClean="0"/>
-              <a:t>‹nº›</a:t>
+              <a:t>‹#›</a:t>
             </a:fld>
             <a:endParaRPr lang="en-US"/>
           </a:p>
@@ -1481,7 +1481,7 @@
           <a:p>
             <a:fld id="{C664221C-4313-7141-AF75-47EF41327C46}" type="datetime1">
               <a:rPr lang="en-US" smtClean="0"/>
-              <a:t>10/30/2015</a:t>
+              <a:t>11/12/2015</a:t>
             </a:fld>
             <a:endParaRPr lang="en-US" dirty="0"/>
           </a:p>
@@ -1527,7 +1527,7 @@
           <a:p>
             <a:fld id="{4382A7F7-08BF-4252-8141-63FB96055BBB}" type="slidenum">
               <a:rPr lang="en-US" smtClean="0"/>
-              <a:t>‹nº›</a:t>
+              <a:t>‹#›</a:t>
             </a:fld>
             <a:endParaRPr lang="en-US"/>
           </a:p>
@@ -2309,7 +2309,7 @@
           <a:p>
             <a:fld id="{AC2AAB0C-F312-F643-B130-87B62055D109}" type="datetime1">
               <a:rPr lang="en-US" smtClean="0"/>
-              <a:t>10/30/2015</a:t>
+              <a:t>11/12/2015</a:t>
             </a:fld>
             <a:endParaRPr lang="en-US" dirty="0"/>
           </a:p>
@@ -2355,7 +2355,7 @@
           <a:p>
             <a:fld id="{4382A7F7-08BF-4252-8141-63FB96055BBB}" type="slidenum">
               <a:rPr lang="en-US" smtClean="0"/>
-              <a:t>‹nº›</a:t>
+              <a:t>‹#›</a:t>
             </a:fld>
             <a:endParaRPr lang="en-US"/>
           </a:p>
@@ -2831,7 +2831,7 @@
           <a:p>
             <a:fld id="{4924E8FD-5EA4-9C4F-9DB7-B6D8EBBD57C7}" type="datetime1">
               <a:rPr lang="en-US" smtClean="0"/>
-              <a:t>10/30/2015</a:t>
+              <a:t>11/12/2015</a:t>
             </a:fld>
             <a:endParaRPr lang="en-US"/>
           </a:p>
@@ -2877,7 +2877,7 @@
           <a:p>
             <a:fld id="{4382A7F7-08BF-4252-8141-63FB96055BBB}" type="slidenum">
               <a:rPr lang="en-US" smtClean="0"/>
-              <a:t>‹nº›</a:t>
+              <a:t>‹#›</a:t>
             </a:fld>
             <a:endParaRPr lang="en-US"/>
           </a:p>
@@ -3075,7 +3075,7 @@
           <a:p>
             <a:fld id="{5FD489D9-5EF4-C741-9968-FA643669CBA9}" type="datetime1">
               <a:rPr lang="en-US" smtClean="0"/>
-              <a:t>10/30/2015</a:t>
+              <a:t>11/12/2015</a:t>
             </a:fld>
             <a:endParaRPr lang="en-US"/>
           </a:p>
@@ -3121,7 +3121,7 @@
           <a:p>
             <a:fld id="{4382A7F7-08BF-4252-8141-63FB96055BBB}" type="slidenum">
               <a:rPr lang="en-US" smtClean="0"/>
-              <a:t>‹nº›</a:t>
+              <a:t>‹#›</a:t>
             </a:fld>
             <a:endParaRPr lang="en-US"/>
           </a:p>
@@ -3613,7 +3613,7 @@
           <a:p>
             <a:fld id="{A7AB5D98-EC6D-7B43-806B-A98C1FD4F891}" type="datetime1">
               <a:rPr lang="en-US" smtClean="0"/>
-              <a:t>10/30/2015</a:t>
+              <a:t>11/12/2015</a:t>
             </a:fld>
             <a:endParaRPr lang="en-US"/>
           </a:p>
@@ -3659,7 +3659,7 @@
           <a:p>
             <a:fld id="{4382A7F7-08BF-4252-8141-63FB96055BBB}" type="slidenum">
               <a:rPr lang="en-US" smtClean="0"/>
-              <a:t>‹nº›</a:t>
+              <a:t>‹#›</a:t>
             </a:fld>
             <a:endParaRPr lang="en-US"/>
           </a:p>
@@ -3759,7 +3759,7 @@
           <a:p>
             <a:fld id="{8BB2119A-5D1E-AB4C-9897-F95A82040425}" type="datetime1">
               <a:rPr lang="en-US" smtClean="0"/>
-              <a:t>10/30/2015</a:t>
+              <a:t>11/12/2015</a:t>
             </a:fld>
             <a:endParaRPr lang="en-US"/>
           </a:p>
@@ -3805,7 +3805,7 @@
           <a:p>
             <a:fld id="{7F5CE407-6216-4202-80E4-A30DC2F709B2}" type="slidenum">
               <a:rPr lang="en-US" smtClean="0"/>
-              <a:t>‹nº›</a:t>
+              <a:t>‹#›</a:t>
             </a:fld>
             <a:endParaRPr lang="en-US"/>
           </a:p>
@@ -4629,7 +4629,7 @@
           <a:p>
             <a:fld id="{C470725A-B50A-F041-AC9B-E0B780078167}" type="datetime1">
               <a:rPr lang="en-US" smtClean="0"/>
-              <a:t>10/30/2015</a:t>
+              <a:t>11/12/2015</a:t>
             </a:fld>
             <a:endParaRPr lang="en-US"/>
           </a:p>
@@ -4675,7 +4675,7 @@
           <a:p>
             <a:fld id="{162F1D00-BD13-4404-86B0-79703945A0A7}" type="slidenum">
               <a:rPr lang="en-US" smtClean="0"/>
-              <a:t>‹nº›</a:t>
+              <a:t>‹#›</a:t>
             </a:fld>
             <a:endParaRPr lang="en-US"/>
           </a:p>
@@ -4763,7 +4763,7 @@
           <a:p>
             <a:fld id="{066493AB-CAA8-D141-A450-E4B927468956}" type="datetime1">
               <a:rPr lang="en-US" smtClean="0"/>
-              <a:t>10/30/2015</a:t>
+              <a:t>11/12/2015</a:t>
             </a:fld>
             <a:endParaRPr lang="en-US" dirty="0"/>
           </a:p>
@@ -4786,7 +4786,7 @@
           <a:p>
             <a:fld id="{4382A7F7-08BF-4252-8141-63FB96055BBB}" type="slidenum">
               <a:rPr lang="en-US" smtClean="0"/>
-              <a:t>‹nº›</a:t>
+              <a:t>‹#›</a:t>
             </a:fld>
             <a:endParaRPr lang="en-US"/>
           </a:p>
@@ -5484,7 +5484,7 @@
           <a:p>
             <a:fld id="{98EAF71D-AEB3-064D-81A4-6DB7A005A7FB}" type="datetime1">
               <a:rPr lang="en-US" smtClean="0"/>
-              <a:t>10/30/2015</a:t>
+              <a:t>11/12/2015</a:t>
             </a:fld>
             <a:endParaRPr lang="en-US"/>
           </a:p>
@@ -5507,7 +5507,7 @@
           <a:p>
             <a:fld id="{4382A7F7-08BF-4252-8141-63FB96055BBB}" type="slidenum">
               <a:rPr lang="en-US" smtClean="0"/>
-              <a:t>‹nº›</a:t>
+              <a:t>‹#›</a:t>
             </a:fld>
             <a:endParaRPr lang="en-US"/>
           </a:p>
@@ -6122,7 +6122,7 @@
           <a:p>
             <a:fld id="{E18AD9E5-0276-4248-9F13-591AE022ADEE}" type="datetime1">
               <a:rPr lang="en-US" smtClean="0"/>
-              <a:t>10/30/2015</a:t>
+              <a:t>11/12/2015</a:t>
             </a:fld>
             <a:endParaRPr lang="en-US"/>
           </a:p>
@@ -6168,7 +6168,7 @@
           <a:p>
             <a:fld id="{4382A7F7-08BF-4252-8141-63FB96055BBB}" type="slidenum">
               <a:rPr lang="en-US" smtClean="0"/>
-              <a:t>‹nº›</a:t>
+              <a:t>‹#›</a:t>
             </a:fld>
             <a:endParaRPr lang="en-US"/>
           </a:p>
@@ -6451,7 +6451,7 @@
           <a:p>
             <a:fld id="{22B66FFE-8476-9C49-A02A-F00AF5008E8D}" type="datetime1">
               <a:rPr lang="en-US" smtClean="0"/>
-              <a:t>10/30/2015</a:t>
+              <a:t>11/12/2015</a:t>
             </a:fld>
             <a:endParaRPr lang="en-US"/>
           </a:p>
@@ -6497,7 +6497,7 @@
           <a:p>
             <a:fld id="{4382A7F7-08BF-4252-8141-63FB96055BBB}" type="slidenum">
               <a:rPr lang="en-US" smtClean="0"/>
-              <a:t>‹nº›</a:t>
+              <a:t>‹#›</a:t>
             </a:fld>
             <a:endParaRPr lang="en-US"/>
           </a:p>
@@ -7086,7 +7086,7 @@
           <a:p>
             <a:fld id="{AAE3067A-1DDF-6F49-A932-6E3C00B87278}" type="datetime1">
               <a:rPr lang="en-US" smtClean="0"/>
-              <a:t>10/30/2015</a:t>
+              <a:t>11/12/2015</a:t>
             </a:fld>
             <a:endParaRPr lang="en-US"/>
           </a:p>
@@ -7132,7 +7132,7 @@
           <a:p>
             <a:fld id="{4382A7F7-08BF-4252-8141-63FB96055BBB}" type="slidenum">
               <a:rPr lang="en-US" smtClean="0"/>
-              <a:t>‹nº›</a:t>
+              <a:t>‹#›</a:t>
             </a:fld>
             <a:endParaRPr lang="en-US"/>
           </a:p>
@@ -7272,7 +7272,7 @@
           <a:p>
             <a:fld id="{843F3092-9268-7547-8C25-0171E7E04DA2}" type="datetime1">
               <a:rPr lang="en-US" smtClean="0"/>
-              <a:t>10/30/2015</a:t>
+              <a:t>11/12/2015</a:t>
             </a:fld>
             <a:endParaRPr lang="en-US" dirty="0"/>
           </a:p>
@@ -7355,7 +7355,7 @@
           <a:p>
             <a:fld id="{4382A7F7-08BF-4252-8141-63FB96055BBB}" type="slidenum">
               <a:rPr lang="en-US" smtClean="0"/>
-              <a:t>‹nº›</a:t>
+              <a:t>‹#›</a:t>
             </a:fld>
             <a:endParaRPr lang="en-US"/>
           </a:p>
@@ -7931,7 +7931,7 @@
           <a:noFill/>
           <a:extLst>
             <a:ext uri="{909E8E84-426E-40dd-AFC4-6F175D3DCCD1}">
-              <a14:hiddenFill xmlns="" xmlns:a14="http://schemas.microsoft.com/office/drawing/2010/main">
+              <a14:hiddenFill xmlns:a14="http://schemas.microsoft.com/office/drawing/2010/main" xmlns="">
                 <a:solidFill>
                   <a:srgbClr val="FFFFFF"/>
                 </a:solidFill>
@@ -8256,36 +8256,6 @@
           </a:ln>
         </p:spPr>
       </p:pic>
-      <p:sp>
-        <p:nvSpPr>
-          <p:cNvPr id="10" name="CaixaDeTexto 9"/>
-          <p:cNvSpPr txBox="1"/>
-          <p:nvPr/>
-        </p:nvSpPr>
-        <p:spPr>
-          <a:xfrm>
-            <a:off x="329321" y="5800026"/>
-            <a:ext cx="4585147" cy="646331"/>
-          </a:xfrm>
-          <a:prstGeom prst="rect">
-            <a:avLst/>
-          </a:prstGeom>
-          <a:noFill/>
-        </p:spPr>
-        <p:txBody>
-          <a:bodyPr wrap="square" rtlCol="0">
-            <a:spAutoFit/>
-          </a:bodyPr>
-          <a:lstStyle/>
-          <a:p>
-            <a:r>
-              <a:rPr lang="pt-BR" dirty="0" smtClean="0"/>
-              <a:t>Esta lição foi traduzida para português pela Equipe TILT.</a:t>
-            </a:r>
-            <a:endParaRPr lang="pt-BR" dirty="0"/>
-          </a:p>
-        </p:txBody>
-      </p:sp>
     </p:spTree>
     <p:extLst>
       <p:ext uri="{BB962C8B-B14F-4D97-AF65-F5344CB8AC3E}">
@@ -11602,7 +11572,7 @@
           <a:effectLst/>
           <a:extLst>
             <a:ext uri="{91240B29-F687-4f45-9708-019B960494DF}">
-              <a14:hiddenLine xmlns="" xmlns:a14="http://schemas.microsoft.com/office/drawing/2010/main" w="9525">
+              <a14:hiddenLine xmlns:a14="http://schemas.microsoft.com/office/drawing/2010/main" xmlns="" w="9525">
                 <a:solidFill>
                   <a:schemeClr val="tx1"/>
                 </a:solidFill>
@@ -11612,7 +11582,7 @@
               </a14:hiddenLine>
             </a:ext>
             <a:ext uri="{AF507438-7753-43e0-B8FC-AC1667EBCBE1}">
-              <a14:hiddenEffects xmlns="" xmlns:a14="http://schemas.microsoft.com/office/drawing/2010/main">
+              <a14:hiddenEffects xmlns:a14="http://schemas.microsoft.com/office/drawing/2010/main" xmlns="">
                 <a:effectLst>
                   <a:outerShdw dist="35921" dir="2700000" algn="ctr" rotWithShape="0">
                     <a:schemeClr val="bg2"/>
@@ -12043,7 +12013,7 @@
           <a:noFill/>
           <a:extLst>
             <a:ext uri="{909E8E84-426E-40dd-AFC4-6F175D3DCCD1}">
-              <a14:hiddenFill xmlns="" xmlns:a14="http://schemas.microsoft.com/office/drawing/2010/main">
+              <a14:hiddenFill xmlns:a14="http://schemas.microsoft.com/office/drawing/2010/main" xmlns="">
                 <a:solidFill>
                   <a:srgbClr val="FFFFFF"/>
                 </a:solidFill>
